--- a/other/workflow - vertical.pptx
+++ b/other/workflow - vertical.pptx
@@ -244,7 +244,7 @@
           <a:p>
             <a:fld id="{13D4D963-65A3-4C43-89BE-4288AB55A3CE}" type="datetimeFigureOut">
               <a:rPr lang="en-US" smtClean="0"/>
-              <a:t>3/18/2024</a:t>
+              <a:t>3/19/2024</a:t>
             </a:fld>
             <a:endParaRPr lang="en-US"/>
           </a:p>
@@ -414,7 +414,7 @@
           <a:p>
             <a:fld id="{13D4D963-65A3-4C43-89BE-4288AB55A3CE}" type="datetimeFigureOut">
               <a:rPr lang="en-US" smtClean="0"/>
-              <a:t>3/18/2024</a:t>
+              <a:t>3/19/2024</a:t>
             </a:fld>
             <a:endParaRPr lang="en-US"/>
           </a:p>
@@ -594,7 +594,7 @@
           <a:p>
             <a:fld id="{13D4D963-65A3-4C43-89BE-4288AB55A3CE}" type="datetimeFigureOut">
               <a:rPr lang="en-US" smtClean="0"/>
-              <a:t>3/18/2024</a:t>
+              <a:t>3/19/2024</a:t>
             </a:fld>
             <a:endParaRPr lang="en-US"/>
           </a:p>
@@ -764,7 +764,7 @@
           <a:p>
             <a:fld id="{13D4D963-65A3-4C43-89BE-4288AB55A3CE}" type="datetimeFigureOut">
               <a:rPr lang="en-US" smtClean="0"/>
-              <a:t>3/18/2024</a:t>
+              <a:t>3/19/2024</a:t>
             </a:fld>
             <a:endParaRPr lang="en-US"/>
           </a:p>
@@ -1010,7 +1010,7 @@
           <a:p>
             <a:fld id="{13D4D963-65A3-4C43-89BE-4288AB55A3CE}" type="datetimeFigureOut">
               <a:rPr lang="en-US" smtClean="0"/>
-              <a:t>3/18/2024</a:t>
+              <a:t>3/19/2024</a:t>
             </a:fld>
             <a:endParaRPr lang="en-US"/>
           </a:p>
@@ -1242,7 +1242,7 @@
           <a:p>
             <a:fld id="{13D4D963-65A3-4C43-89BE-4288AB55A3CE}" type="datetimeFigureOut">
               <a:rPr lang="en-US" smtClean="0"/>
-              <a:t>3/18/2024</a:t>
+              <a:t>3/19/2024</a:t>
             </a:fld>
             <a:endParaRPr lang="en-US"/>
           </a:p>
@@ -1609,7 +1609,7 @@
           <a:p>
             <a:fld id="{13D4D963-65A3-4C43-89BE-4288AB55A3CE}" type="datetimeFigureOut">
               <a:rPr lang="en-US" smtClean="0"/>
-              <a:t>3/18/2024</a:t>
+              <a:t>3/19/2024</a:t>
             </a:fld>
             <a:endParaRPr lang="en-US"/>
           </a:p>
@@ -1727,7 +1727,7 @@
           <a:p>
             <a:fld id="{13D4D963-65A3-4C43-89BE-4288AB55A3CE}" type="datetimeFigureOut">
               <a:rPr lang="en-US" smtClean="0"/>
-              <a:t>3/18/2024</a:t>
+              <a:t>3/19/2024</a:t>
             </a:fld>
             <a:endParaRPr lang="en-US"/>
           </a:p>
@@ -1822,7 +1822,7 @@
           <a:p>
             <a:fld id="{13D4D963-65A3-4C43-89BE-4288AB55A3CE}" type="datetimeFigureOut">
               <a:rPr lang="en-US" smtClean="0"/>
-              <a:t>3/18/2024</a:t>
+              <a:t>3/19/2024</a:t>
             </a:fld>
             <a:endParaRPr lang="en-US"/>
           </a:p>
@@ -2099,7 +2099,7 @@
           <a:p>
             <a:fld id="{13D4D963-65A3-4C43-89BE-4288AB55A3CE}" type="datetimeFigureOut">
               <a:rPr lang="en-US" smtClean="0"/>
-              <a:t>3/18/2024</a:t>
+              <a:t>3/19/2024</a:t>
             </a:fld>
             <a:endParaRPr lang="en-US"/>
           </a:p>
@@ -2356,7 +2356,7 @@
           <a:p>
             <a:fld id="{13D4D963-65A3-4C43-89BE-4288AB55A3CE}" type="datetimeFigureOut">
               <a:rPr lang="en-US" smtClean="0"/>
-              <a:t>3/18/2024</a:t>
+              <a:t>3/19/2024</a:t>
             </a:fld>
             <a:endParaRPr lang="en-US"/>
           </a:p>
@@ -2569,7 +2569,7 @@
           <a:p>
             <a:fld id="{13D4D963-65A3-4C43-89BE-4288AB55A3CE}" type="datetimeFigureOut">
               <a:rPr lang="en-US" smtClean="0"/>
-              <a:t>3/18/2024</a:t>
+              <a:t>3/19/2024</a:t>
             </a:fld>
             <a:endParaRPr lang="en-US"/>
           </a:p>
